--- a/COVID-19 Symptom Searches and Hospitalizations.pptx
+++ b/COVID-19 Symptom Searches and Hospitalizations.pptx
@@ -19,7 +19,8 @@
     <p:sldId id="274" r:id="rId13"/>
     <p:sldId id="269" r:id="rId14"/>
     <p:sldId id="268" r:id="rId15"/>
-    <p:sldId id="272" r:id="rId16"/>
+    <p:sldId id="276" r:id="rId16"/>
+    <p:sldId id="272" r:id="rId17"/>
   </p:sldIdLst>
   <p:sldSz cx="12192000" cy="6858000"/>
   <p:notesSz cx="6858000" cy="9144000"/>
@@ -3057,25 +3058,25 @@
         </p:nvSpPr>
         <p:spPr>
           <a:xfrm>
-            <a:off x="1524000" y="5124449"/>
-            <a:ext cx="9144000" cy="962025"/>
+            <a:off x="1524000" y="5334000"/>
+            <a:ext cx="9144000" cy="867804"/>
           </a:xfrm>
         </p:spPr>
         <p:txBody>
           <a:bodyPr>
-            <a:normAutofit/>
+            <a:normAutofit lnSpcReduction="10000"/>
           </a:bodyPr>
           <a:lstStyle/>
-          <a:p>
-            <a:r>
-              <a:rPr lang="en-US" dirty="0"/>
-              <a:t>Capstone 1 Project</a:t>
-            </a:r>
-          </a:p>
           <a:p>
             <a:r>
               <a:rPr lang="en-US" dirty="0"/>
               <a:t>Christopher Shaffer</a:t>
+            </a:r>
+          </a:p>
+          <a:p>
+            <a:r>
+              <a:rPr lang="en-US" dirty="0"/>
+              <a:t>https://github.com/chrisshaffer/covid-symptom-searches</a:t>
             </a:r>
           </a:p>
         </p:txBody>
@@ -3207,7 +3208,7 @@
           <a:p>
             <a:r>
               <a:rPr lang="en-US" dirty="0"/>
-              <a:t>Identically Distributed Data (</a:t>
+              <a:t>Independent and Identically Distributed (</a:t>
             </a:r>
             <a:r>
               <a:rPr lang="en-US" dirty="0" err="1"/>
@@ -4544,7 +4545,7 @@
                 </a14:m>
                 <a:r>
                   <a:rPr lang="en-US" dirty="0"/>
-                  <a:t> weeks, 	Location: New York, 	Search Term: “fever”</a:t>
+                  <a:t> weeks, 	Location: New York City,	 	Search Term: “fever”</a:t>
                 </a:r>
               </a:p>
             </p:txBody>
@@ -4943,6 +4944,132 @@
 </file>
 
 <file path=ppt/slides/slide15.xml><?xml version="1.0" encoding="utf-8"?>
+<p:sld xmlns:a="http://schemas.openxmlformats.org/drawingml/2006/main" xmlns:r="http://schemas.openxmlformats.org/officeDocument/2006/relationships" xmlns:p="http://schemas.openxmlformats.org/presentationml/2006/main">
+  <p:cSld>
+    <p:spTree>
+      <p:nvGrpSpPr>
+        <p:cNvPr id="1" name=""/>
+        <p:cNvGrpSpPr/>
+        <p:nvPr/>
+      </p:nvGrpSpPr>
+      <p:grpSpPr>
+        <a:xfrm>
+          <a:off x="0" y="0"/>
+          <a:ext cx="0" cy="0"/>
+          <a:chOff x="0" y="0"/>
+          <a:chExt cx="0" cy="0"/>
+        </a:xfrm>
+      </p:grpSpPr>
+      <p:sp>
+        <p:nvSpPr>
+          <p:cNvPr id="2" name="Title 1">
+            <a:extLst>
+              <a:ext uri="{FF2B5EF4-FFF2-40B4-BE49-F238E27FC236}">
+                <a16:creationId xmlns:a16="http://schemas.microsoft.com/office/drawing/2014/main" id="{3066B4D0-92A4-4210-8145-38E860EAE82B}"/>
+              </a:ext>
+            </a:extLst>
+          </p:cNvPr>
+          <p:cNvSpPr>
+            <a:spLocks noGrp="1"/>
+          </p:cNvSpPr>
+          <p:nvPr>
+            <p:ph type="title"/>
+          </p:nvPr>
+        </p:nvSpPr>
+        <p:spPr>
+          <a:xfrm>
+            <a:off x="838200" y="204357"/>
+            <a:ext cx="10515600" cy="1325563"/>
+          </a:xfrm>
+        </p:spPr>
+        <p:txBody>
+          <a:bodyPr/>
+          <a:lstStyle/>
+          <a:p>
+            <a:r>
+              <a:rPr lang="en-US" dirty="0"/>
+              <a:t>Future Work</a:t>
+            </a:r>
+          </a:p>
+        </p:txBody>
+      </p:sp>
+      <p:sp>
+        <p:nvSpPr>
+          <p:cNvPr id="3" name="Content Placeholder 2">
+            <a:extLst>
+              <a:ext uri="{FF2B5EF4-FFF2-40B4-BE49-F238E27FC236}">
+                <a16:creationId xmlns:a16="http://schemas.microsoft.com/office/drawing/2014/main" id="{671C5C57-CFD7-460F-ABC7-CF09DF753F51}"/>
+              </a:ext>
+            </a:extLst>
+          </p:cNvPr>
+          <p:cNvSpPr>
+            <a:spLocks noGrp="1"/>
+          </p:cNvSpPr>
+          <p:nvPr>
+            <p:ph idx="1"/>
+          </p:nvPr>
+        </p:nvSpPr>
+        <p:spPr>
+          <a:xfrm>
+            <a:off x="838200" y="1393547"/>
+            <a:ext cx="11440886" cy="5464453"/>
+          </a:xfrm>
+        </p:spPr>
+        <p:txBody>
+          <a:bodyPr>
+            <a:normAutofit/>
+          </a:bodyPr>
+          <a:lstStyle/>
+          <a:p>
+            <a:pPr>
+              <a:lnSpc>
+                <a:spcPct val="120000"/>
+              </a:lnSpc>
+            </a:pPr>
+            <a:r>
+              <a:rPr lang="en-US" dirty="0"/>
+              <a:t>Single sided p-test</a:t>
+            </a:r>
+          </a:p>
+          <a:p>
+            <a:pPr>
+              <a:lnSpc>
+                <a:spcPct val="120000"/>
+              </a:lnSpc>
+            </a:pPr>
+            <a:r>
+              <a:rPr lang="en-US" dirty="0"/>
+              <a:t>Refine time shift spacing</a:t>
+            </a:r>
+          </a:p>
+          <a:p>
+            <a:pPr>
+              <a:lnSpc>
+                <a:spcPct val="120000"/>
+              </a:lnSpc>
+            </a:pPr>
+            <a:r>
+              <a:rPr lang="en-US" dirty="0"/>
+              <a:t>Explore more locations and symptoms</a:t>
+            </a:r>
+            <a:endParaRPr lang="en-US" b="0" dirty="0"/>
+          </a:p>
+        </p:txBody>
+      </p:sp>
+    </p:spTree>
+    <p:extLst>
+      <p:ext uri="{BB962C8B-B14F-4D97-AF65-F5344CB8AC3E}">
+        <p14:creationId xmlns:p14="http://schemas.microsoft.com/office/powerpoint/2010/main" val="594564826"/>
+      </p:ext>
+    </p:extLst>
+  </p:cSld>
+  <p:clrMapOvr>
+    <a:masterClrMapping/>
+  </p:clrMapOvr>
+</p:sld>
+</file>
+
+<file path=ppt/slides/slide16.xml><?xml version="1.0" encoding="utf-8"?>
 <p:sld xmlns:a="http://schemas.openxmlformats.org/drawingml/2006/main" xmlns:r="http://schemas.openxmlformats.org/officeDocument/2006/relationships" xmlns:p="http://schemas.openxmlformats.org/presentationml/2006/main">
   <p:cSld>
     <p:spTree>

--- a/COVID-19 Symptom Searches and Hospitalizations.pptx
+++ b/COVID-19 Symptom Searches and Hospitalizations.pptx
@@ -5302,7 +5302,7 @@
           <a:p>
             <a:r>
               <a:rPr lang="en-US" dirty="0"/>
-              <a:t>Are increasing symptom searches correlated with an increase in new COVID-19 hospitalizations? </a:t>
+              <a:t>Are changes in new COVID-19 hospitalizations different on days 1 week after increased searches for symptoms? </a:t>
             </a:r>
           </a:p>
           <a:p>
@@ -5311,8 +5311,13 @@
           <a:p>
             <a:r>
               <a:rPr lang="en-US" dirty="0"/>
-              <a:t>What is the delay between searches and hospitalization?</a:t>
-            </a:r>
+              <a:t>What is the delay between searches and hospitalization? 1 week? </a:t>
+            </a:r>
+            <a:r>
+              <a:rPr lang="en-US"/>
+              <a:t>2 weeks?</a:t>
+            </a:r>
+            <a:endParaRPr lang="en-US" dirty="0"/>
           </a:p>
         </p:txBody>
       </p:sp>
